--- a/Industriell IT och kommunikation/Presentationer/Sockets.pptx
+++ b/Industriell IT och kommunikation/Presentationer/Sockets.pptx
@@ -2,23 +2,23 @@
 <file path=ppt/presentation.xml><?xml version="1.0" encoding="utf-8"?>
 <p:presentation xmlns:a="http://schemas.openxmlformats.org/drawingml/2006/main" xmlns:r="http://schemas.openxmlformats.org/officeDocument/2006/relationships" xmlns:p="http://schemas.openxmlformats.org/presentationml/2006/main" saveSubsetFonts="1">
   <p:sldMasterIdLst>
-    <p:sldMasterId id="2147483648" r:id="rId1"/>
+    <p:sldMasterId id="2147483648" r:id="rId4"/>
   </p:sldMasterIdLst>
   <p:sldIdLst>
-    <p:sldId id="256" r:id="rId2"/>
-    <p:sldId id="265" r:id="rId3"/>
-    <p:sldId id="266" r:id="rId4"/>
-    <p:sldId id="267" r:id="rId5"/>
-    <p:sldId id="268" r:id="rId6"/>
-    <p:sldId id="257" r:id="rId7"/>
-    <p:sldId id="258" r:id="rId8"/>
-    <p:sldId id="259" r:id="rId9"/>
-    <p:sldId id="260" r:id="rId10"/>
-    <p:sldId id="261" r:id="rId11"/>
-    <p:sldId id="262" r:id="rId12"/>
-    <p:sldId id="263" r:id="rId13"/>
-    <p:sldId id="264" r:id="rId14"/>
-    <p:sldId id="269" r:id="rId15"/>
+    <p:sldId id="256" r:id="rId5"/>
+    <p:sldId id="265" r:id="rId6"/>
+    <p:sldId id="266" r:id="rId7"/>
+    <p:sldId id="267" r:id="rId8"/>
+    <p:sldId id="268" r:id="rId9"/>
+    <p:sldId id="257" r:id="rId10"/>
+    <p:sldId id="258" r:id="rId11"/>
+    <p:sldId id="259" r:id="rId12"/>
+    <p:sldId id="260" r:id="rId13"/>
+    <p:sldId id="261" r:id="rId14"/>
+    <p:sldId id="262" r:id="rId15"/>
+    <p:sldId id="263" r:id="rId16"/>
+    <p:sldId id="264" r:id="rId17"/>
+    <p:sldId id="269" r:id="rId18"/>
   </p:sldIdLst>
   <p:sldSz cx="12192000" cy="6858000"/>
   <p:notesSz cx="6858000" cy="9144000"/>
@@ -125,6 +125,43 @@
 </p:presentation>
 </file>
 
+<file path=ppt/revisionInfo.xml><?xml version="1.0" encoding="utf-8"?>
+<p1510:revInfo xmlns:a="http://schemas.openxmlformats.org/drawingml/2006/main" xmlns:r="http://schemas.openxmlformats.org/officeDocument/2006/relationships" xmlns:p1510="http://schemas.microsoft.com/office/powerpoint/2015/10/main">
+  <p1510:revLst>
+    <p1510:client id="{A05A0088-262E-44AE-B201-85E46B9CFBB2}" v="13" dt="2020-12-29T16:24:38.865"/>
+  </p1510:revLst>
+</p1510:revInfo>
+</file>
+
+<file path=ppt/changesInfos/changesInfo1.xml><?xml version="1.0" encoding="utf-8"?>
+<pc:chgInfo xmlns:a="http://schemas.openxmlformats.org/drawingml/2006/main" xmlns:r="http://schemas.openxmlformats.org/officeDocument/2006/relationships" xmlns:ac="http://schemas.microsoft.com/office/drawing/2013/main/command" xmlns:pc="http://schemas.microsoft.com/office/powerpoint/2013/main/command">
+  <pc:docChgLst>
+    <pc:chgData name="Anders Johansson" userId="S::anders.johansson26@learnet.se::f25d11bf-6852-42d3-a76c-a1ce382e3634" providerId="AD" clId="Web-{A05A0088-262E-44AE-B201-85E46B9CFBB2}"/>
+    <pc:docChg chg="modSld">
+      <pc:chgData name="Anders Johansson" userId="S::anders.johansson26@learnet.se::f25d11bf-6852-42d3-a76c-a1ce382e3634" providerId="AD" clId="Web-{A05A0088-262E-44AE-B201-85E46B9CFBB2}" dt="2020-12-29T16:24:38.865" v="12" actId="20577"/>
+      <pc:docMkLst>
+        <pc:docMk/>
+      </pc:docMkLst>
+      <pc:sldChg chg="modSp">
+        <pc:chgData name="Anders Johansson" userId="S::anders.johansson26@learnet.se::f25d11bf-6852-42d3-a76c-a1ce382e3634" providerId="AD" clId="Web-{A05A0088-262E-44AE-B201-85E46B9CFBB2}" dt="2020-12-29T16:24:38.865" v="11" actId="20577"/>
+        <pc:sldMkLst>
+          <pc:docMk/>
+          <pc:sldMk cId="1367757534" sldId="258"/>
+        </pc:sldMkLst>
+        <pc:spChg chg="mod">
+          <ac:chgData name="Anders Johansson" userId="S::anders.johansson26@learnet.se::f25d11bf-6852-42d3-a76c-a1ce382e3634" providerId="AD" clId="Web-{A05A0088-262E-44AE-B201-85E46B9CFBB2}" dt="2020-12-29T16:24:38.865" v="11" actId="20577"/>
+          <ac:spMkLst>
+            <pc:docMk/>
+            <pc:sldMk cId="1367757534" sldId="258"/>
+            <ac:spMk id="3" creationId="{605BC4A7-0552-4D4E-8824-4CA20112AE4F}"/>
+          </ac:spMkLst>
+        </pc:spChg>
+      </pc:sldChg>
+    </pc:docChg>
+  </pc:docChgLst>
+</pc:chgInfo>
+</file>
+
 <file path=ppt/slideLayouts/slideLayout1.xml><?xml version="1.0" encoding="utf-8"?>
 <p:sldLayout xmlns:a="http://schemas.openxmlformats.org/drawingml/2006/main" xmlns:r="http://schemas.openxmlformats.org/officeDocument/2006/relationships" xmlns:p="http://schemas.openxmlformats.org/presentationml/2006/main" type="title" preserve="1">
   <p:cSld name="Rubrikbild">
@@ -272,7 +309,7 @@
           <a:p>
             <a:fld id="{65C5068C-6AFA-477D-8477-C7ECA354E808}" type="datetimeFigureOut">
               <a:rPr lang="sv-SE" smtClean="0"/>
-              <a:t>2020-12-22</a:t>
+              <a:t>2020-12-29</a:t>
             </a:fld>
             <a:endParaRPr lang="sv-SE"/>
           </a:p>
@@ -470,7 +507,7 @@
           <a:p>
             <a:fld id="{65C5068C-6AFA-477D-8477-C7ECA354E808}" type="datetimeFigureOut">
               <a:rPr lang="sv-SE" smtClean="0"/>
-              <a:t>2020-12-22</a:t>
+              <a:t>2020-12-29</a:t>
             </a:fld>
             <a:endParaRPr lang="sv-SE"/>
           </a:p>
@@ -678,7 +715,7 @@
           <a:p>
             <a:fld id="{65C5068C-6AFA-477D-8477-C7ECA354E808}" type="datetimeFigureOut">
               <a:rPr lang="sv-SE" smtClean="0"/>
-              <a:t>2020-12-22</a:t>
+              <a:t>2020-12-29</a:t>
             </a:fld>
             <a:endParaRPr lang="sv-SE"/>
           </a:p>
@@ -876,7 +913,7 @@
           <a:p>
             <a:fld id="{65C5068C-6AFA-477D-8477-C7ECA354E808}" type="datetimeFigureOut">
               <a:rPr lang="sv-SE" smtClean="0"/>
-              <a:t>2020-12-22</a:t>
+              <a:t>2020-12-29</a:t>
             </a:fld>
             <a:endParaRPr lang="sv-SE"/>
           </a:p>
@@ -1151,7 +1188,7 @@
           <a:p>
             <a:fld id="{65C5068C-6AFA-477D-8477-C7ECA354E808}" type="datetimeFigureOut">
               <a:rPr lang="sv-SE" smtClean="0"/>
-              <a:t>2020-12-22</a:t>
+              <a:t>2020-12-29</a:t>
             </a:fld>
             <a:endParaRPr lang="sv-SE"/>
           </a:p>
@@ -1416,7 +1453,7 @@
           <a:p>
             <a:fld id="{65C5068C-6AFA-477D-8477-C7ECA354E808}" type="datetimeFigureOut">
               <a:rPr lang="sv-SE" smtClean="0"/>
-              <a:t>2020-12-22</a:t>
+              <a:t>2020-12-29</a:t>
             </a:fld>
             <a:endParaRPr lang="sv-SE"/>
           </a:p>
@@ -1828,7 +1865,7 @@
           <a:p>
             <a:fld id="{65C5068C-6AFA-477D-8477-C7ECA354E808}" type="datetimeFigureOut">
               <a:rPr lang="sv-SE" smtClean="0"/>
-              <a:t>2020-12-22</a:t>
+              <a:t>2020-12-29</a:t>
             </a:fld>
             <a:endParaRPr lang="sv-SE"/>
           </a:p>
@@ -1969,7 +2006,7 @@
           <a:p>
             <a:fld id="{65C5068C-6AFA-477D-8477-C7ECA354E808}" type="datetimeFigureOut">
               <a:rPr lang="sv-SE" smtClean="0"/>
-              <a:t>2020-12-22</a:t>
+              <a:t>2020-12-29</a:t>
             </a:fld>
             <a:endParaRPr lang="sv-SE"/>
           </a:p>
@@ -2082,7 +2119,7 @@
           <a:p>
             <a:fld id="{65C5068C-6AFA-477D-8477-C7ECA354E808}" type="datetimeFigureOut">
               <a:rPr lang="sv-SE" smtClean="0"/>
-              <a:t>2020-12-22</a:t>
+              <a:t>2020-12-29</a:t>
             </a:fld>
             <a:endParaRPr lang="sv-SE"/>
           </a:p>
@@ -2393,7 +2430,7 @@
           <a:p>
             <a:fld id="{65C5068C-6AFA-477D-8477-C7ECA354E808}" type="datetimeFigureOut">
               <a:rPr lang="sv-SE" smtClean="0"/>
-              <a:t>2020-12-22</a:t>
+              <a:t>2020-12-29</a:t>
             </a:fld>
             <a:endParaRPr lang="sv-SE"/>
           </a:p>
@@ -2681,7 +2718,7 @@
           <a:p>
             <a:fld id="{65C5068C-6AFA-477D-8477-C7ECA354E808}" type="datetimeFigureOut">
               <a:rPr lang="sv-SE" smtClean="0"/>
-              <a:t>2020-12-22</a:t>
+              <a:t>2020-12-29</a:t>
             </a:fld>
             <a:endParaRPr lang="sv-SE"/>
           </a:p>
@@ -2922,7 +2959,7 @@
           <a:p>
             <a:fld id="{65C5068C-6AFA-477D-8477-C7ECA354E808}" type="datetimeFigureOut">
               <a:rPr lang="sv-SE" smtClean="0"/>
-              <a:t>2020-12-22</a:t>
+              <a:t>2020-12-29</a:t>
             </a:fld>
             <a:endParaRPr lang="sv-SE"/>
           </a:p>
@@ -13395,7 +13432,9 @@
           </a:xfrm>
         </p:spPr>
         <p:txBody>
-          <a:bodyPr/>
+          <a:bodyPr vert="horz" lIns="91440" tIns="45720" rIns="91440" bIns="45720" rtlCol="0" anchor="t">
+            <a:normAutofit/>
+          </a:bodyPr>
           <a:lstStyle/>
           <a:p>
             <a:r>
@@ -13416,6 +13455,10 @@
             </a:r>
           </a:p>
           <a:p>
+            <a:r>
+              <a:rPr lang="sv-SE" dirty="0"/>
+              <a:t>s = </a:t>
+            </a:r>
             <a:r>
               <a:rPr lang="sv-SE" dirty="0" err="1"/>
               <a:t>socket.socket</a:t>
@@ -14095,6 +14138,15 @@
 </file>
 
 <file path=customXml/item1.xml><?xml version="1.0" encoding="utf-8"?>
+<?mso-contentType ?>
+<FormTemplates xmlns="http://schemas.microsoft.com/sharepoint/v3/contenttype/forms">
+  <Display>DocumentLibraryForm</Display>
+  <Edit>DocumentLibraryForm</Edit>
+  <New>DocumentLibraryForm</New>
+</FormTemplates>
+</file>
+
+<file path=customXml/item2.xml><?xml version="1.0" encoding="utf-8"?>
 <ct:contentTypeSchema xmlns:ct="http://schemas.microsoft.com/office/2006/metadata/contentType" xmlns:ma="http://schemas.microsoft.com/office/2006/metadata/properties/metaAttributes" ct:_="" ma:_="" ma:contentTypeName="dokument" ma:contentTypeID="0x0101007A4ADA3549C0DF4EA775F0AE6B64AD8B" ma:contentTypeVersion="8" ma:contentTypeDescription="Skapa ett nytt dokument." ma:contentTypeScope="" ma:versionID="87fa283366428ec853fd7f5c46a17cbd">
   <xsd:schema xmlns:xsd="http://www.w3.org/2001/XMLSchema" xmlns:xs="http://www.w3.org/2001/XMLSchema" xmlns:p="http://schemas.microsoft.com/office/2006/metadata/properties" xmlns:ns2="00e9a85d-85cf-4bc4-94dd-925a5ff46011" targetNamespace="http://schemas.microsoft.com/office/2006/metadata/properties" ma:root="true" ma:fieldsID="c13b447c6bb617afcbe1129c6caab877" ns2:_="">
     <xsd:import namespace="00e9a85d-85cf-4bc4-94dd-925a5ff46011"/>
@@ -14264,15 +14316,6 @@
 </ct:contentTypeSchema>
 </file>
 
-<file path=customXml/item2.xml><?xml version="1.0" encoding="utf-8"?>
-<?mso-contentType ?>
-<FormTemplates xmlns="http://schemas.microsoft.com/sharepoint/v3/contenttype/forms">
-  <Display>DocumentLibraryForm</Display>
-  <Edit>DocumentLibraryForm</Edit>
-  <New>DocumentLibraryForm</New>
-</FormTemplates>
-</file>
-
 <file path=customXml/item3.xml><?xml version="1.0" encoding="utf-8"?>
 <p:properties xmlns:p="http://schemas.microsoft.com/office/2006/metadata/properties" xmlns:xsi="http://www.w3.org/2001/XMLSchema-instance" xmlns:pc="http://schemas.microsoft.com/office/infopath/2007/PartnerControls">
   <documentManagement/>
@@ -14280,13 +14323,36 @@
 </file>
 
 <file path=customXml/itemProps1.xml><?xml version="1.0" encoding="utf-8"?>
-<ds:datastoreItem xmlns:ds="http://schemas.openxmlformats.org/officeDocument/2006/customXml" ds:itemID="{C78C4A45-F486-4411-9DEB-311315A2322A}"/>
+<ds:datastoreItem xmlns:ds="http://schemas.openxmlformats.org/officeDocument/2006/customXml" ds:itemID="{DF307C42-536A-4D2A-BC31-859687EA63ED}">
+  <ds:schemaRefs>
+    <ds:schemaRef ds:uri="http://schemas.microsoft.com/sharepoint/v3/contenttype/forms"/>
+  </ds:schemaRefs>
+</ds:datastoreItem>
 </file>
 
 <file path=customXml/itemProps2.xml><?xml version="1.0" encoding="utf-8"?>
-<ds:datastoreItem xmlns:ds="http://schemas.openxmlformats.org/officeDocument/2006/customXml" ds:itemID="{DF307C42-536A-4D2A-BC31-859687EA63ED}"/>
+<ds:datastoreItem xmlns:ds="http://schemas.openxmlformats.org/officeDocument/2006/customXml" ds:itemID="{C78C4A45-F486-4411-9DEB-311315A2322A}">
+  <ds:schemaRefs>
+    <ds:schemaRef ds:uri="http://schemas.microsoft.com/office/2006/metadata/contentType"/>
+    <ds:schemaRef ds:uri="http://schemas.microsoft.com/office/2006/metadata/properties/metaAttributes"/>
+    <ds:schemaRef ds:uri="http://www.w3.org/2001/XMLSchema"/>
+    <ds:schemaRef ds:uri="http://schemas.microsoft.com/office/2006/metadata/properties"/>
+    <ds:schemaRef ds:uri="00e9a85d-85cf-4bc4-94dd-925a5ff46011"/>
+    <ds:schemaRef ds:uri="http://schemas.microsoft.com/office/2006/documentManagement/types"/>
+    <ds:schemaRef ds:uri="http://schemas.microsoft.com/office/infopath/2007/PartnerControls"/>
+    <ds:schemaRef ds:uri="http://schemas.openxmlformats.org/package/2006/metadata/core-properties"/>
+    <ds:schemaRef ds:uri="http://purl.org/dc/elements/1.1/"/>
+    <ds:schemaRef ds:uri="http://purl.org/dc/terms/"/>
+    <ds:schemaRef ds:uri="http://schemas.microsoft.com/internal/obd"/>
+  </ds:schemaRefs>
+</ds:datastoreItem>
 </file>
 
 <file path=customXml/itemProps3.xml><?xml version="1.0" encoding="utf-8"?>
-<ds:datastoreItem xmlns:ds="http://schemas.openxmlformats.org/officeDocument/2006/customXml" ds:itemID="{24F0679A-717D-4E47-8DA8-F79909316B38}"/>
+<ds:datastoreItem xmlns:ds="http://schemas.openxmlformats.org/officeDocument/2006/customXml" ds:itemID="{24F0679A-717D-4E47-8DA8-F79909316B38}">
+  <ds:schemaRefs>
+    <ds:schemaRef ds:uri="http://schemas.microsoft.com/office/2006/metadata/properties"/>
+    <ds:schemaRef ds:uri="http://schemas.microsoft.com/office/infopath/2007/PartnerControls"/>
+  </ds:schemaRefs>
+</ds:datastoreItem>
 </file>